--- a/data/business model ideas.pptx
+++ b/data/business model ideas.pptx
@@ -104,6 +104,11 @@
       </a:defRPr>
     </a:lvl9pPr>
   </p:defaultTextStyle>
+  <p:extLst>
+    <p:ext uri="{EFAFB233-063F-42B5-8137-9DF3F51BA10A}">
+      <p15:sldGuideLst xmlns:p15="http://schemas.microsoft.com/office/powerpoint/2012/main"/>
+    </p:ext>
+  </p:extLst>
 </p:presentation>
 </file>
 
@@ -3335,7 +3340,7 @@
         </p:nvSpPr>
         <p:spPr>
           <a:xfrm>
-            <a:off x="352425" y="216712"/>
+            <a:off x="352425" y="0"/>
             <a:ext cx="3990975" cy="369332"/>
           </a:xfrm>
           <a:prstGeom prst="rect">
@@ -3560,8 +3565,8 @@
         </p:nvSpPr>
         <p:spPr>
           <a:xfrm>
-            <a:off x="266700" y="1209312"/>
-            <a:ext cx="3733800" cy="1200329"/>
+            <a:off x="352425" y="816102"/>
+            <a:ext cx="4413942" cy="1754326"/>
           </a:xfrm>
           <a:prstGeom prst="rect">
             <a:avLst/>
@@ -3574,9 +3579,16 @@
           </a:bodyPr>
           <a:lstStyle/>
           <a:p>
+            <a:pPr marL="342900" indent="-342900">
+              <a:buAutoNum type="arabicPeriod"/>
+            </a:pPr>
+            <a:r>
+              <a:rPr lang="de-DE" b="1" dirty="0" err="1"/>
+              <a:t>monatl</a:t>
+            </a:r>
             <a:r>
               <a:rPr lang="de-DE" b="1" dirty="0"/>
-              <a:t>1. Lizenzen verkaufen:</a:t>
+              <a:t>. begrenzte Lizenzen verkaufen:</a:t>
             </a:r>
           </a:p>
           <a:p>
@@ -3585,7 +3597,20 @@
           <a:p>
             <a:r>
               <a:rPr lang="de-DE" dirty="0"/>
-              <a:t>Unternehmen kaufen Zugänge für ihre Mitarbeiter</a:t>
+              <a:t>Unternehmen kaufen Zugänge für ihre Mitarbeiter. </a:t>
+            </a:r>
+          </a:p>
+          <a:p>
+            <a:endParaRPr lang="de-DE" dirty="0"/>
+          </a:p>
+          <a:p>
+            <a:r>
+              <a:rPr lang="de-DE" dirty="0"/>
+              <a:t>Bsp. : </a:t>
+            </a:r>
+            <a:r>
+              <a:rPr lang="de-DE" b="1" dirty="0"/>
+              <a:t>1 Euro pro Mitarbeiter</a:t>
             </a:r>
           </a:p>
         </p:txBody>
@@ -3604,8 +3629,8 @@
         </p:nvSpPr>
         <p:spPr>
           <a:xfrm>
-            <a:off x="4524374" y="1200055"/>
-            <a:ext cx="4829175" cy="1754326"/>
+            <a:off x="5802988" y="329333"/>
+            <a:ext cx="4829175" cy="3416320"/>
           </a:xfrm>
           <a:prstGeom prst="rect">
             <a:avLst/>
@@ -3620,7 +3645,24 @@
           <a:p>
             <a:r>
               <a:rPr lang="de-DE" b="1" dirty="0"/>
-              <a:t>Bonus – Idee. Risiko mit einbeziehen:</a:t>
+              <a:t>2. </a:t>
+            </a:r>
+            <a:r>
+              <a:rPr lang="de-DE" b="1" dirty="0" err="1"/>
+              <a:t>monatl</a:t>
+            </a:r>
+            <a:r>
+              <a:rPr lang="de-DE" b="1" dirty="0"/>
+              <a:t>. begrenzte Lizenzen aber Risiko mit einbeziehen:</a:t>
+            </a:r>
+          </a:p>
+          <a:p>
+            <a:endParaRPr lang="de-DE" b="1" dirty="0"/>
+          </a:p>
+          <a:p>
+            <a:r>
+              <a:rPr lang="de-DE" dirty="0"/>
+              <a:t>Unternehmen kaufen Zugänge für ihre Mitarbeiter, aber ein Fitnessanstiegsaufschlag wird dazu berechnet</a:t>
             </a:r>
           </a:p>
           <a:p>
@@ -3629,17 +3671,55 @@
           <a:p>
             <a:r>
               <a:rPr lang="de-DE" dirty="0"/>
-              <a:t>Wenn eure Mitarbeiter einen Freizeitsportaktivitätenanstieg zu verzeichnen haben bekommen wir XY €, dafür sind die Lizenzen günstiger</a:t>
-            </a:r>
-          </a:p>
-        </p:txBody>
-      </p:sp>
-      <p:sp>
-        <p:nvSpPr>
-          <p:cNvPr id="10" name="Textfeld 9">
-            <a:extLst>
-              <a:ext uri="{FF2B5EF4-FFF2-40B4-BE49-F238E27FC236}">
-                <a16:creationId xmlns:a16="http://schemas.microsoft.com/office/drawing/2014/main" id="{014D876A-CB7F-8386-FBEB-5FB19D8371BA}"/>
+              <a:t>Bsp. : </a:t>
+            </a:r>
+            <a:r>
+              <a:rPr lang="de-DE" b="1" dirty="0"/>
+              <a:t>10ct pro Mitarbeiter</a:t>
+            </a:r>
+            <a:r>
+              <a:rPr lang="de-DE" dirty="0"/>
+              <a:t>, aber ein </a:t>
+            </a:r>
+            <a:r>
+              <a:rPr lang="de-DE" b="1" dirty="0"/>
+              <a:t>Bonus</a:t>
+            </a:r>
+            <a:r>
+              <a:rPr lang="de-DE" dirty="0"/>
+              <a:t> muss gezahlt werden, wenn die Mitarbeiter einen </a:t>
+            </a:r>
+            <a:r>
+              <a:rPr lang="de-DE" b="1" dirty="0"/>
+              <a:t>prozentualen Anstieg</a:t>
+            </a:r>
+            <a:r>
+              <a:rPr lang="de-DE" dirty="0"/>
+              <a:t> an sportlichen Aktivitäten </a:t>
+            </a:r>
+            <a:r>
+              <a:rPr lang="de-DE" b="1" dirty="0"/>
+              <a:t>verzeichnen</a:t>
+            </a:r>
+          </a:p>
+          <a:p>
+            <a:r>
+              <a:rPr lang="de-DE" dirty="0">
+                <a:solidFill>
+                  <a:srgbClr val="FF0000"/>
+                </a:solidFill>
+              </a:rPr>
+              <a:t>Wie misst man das?</a:t>
+            </a:r>
+          </a:p>
+        </p:txBody>
+      </p:sp>
+      <p:sp>
+        <p:nvSpPr>
+          <p:cNvPr id="11" name="Textfeld 10">
+            <a:extLst>
+              <a:ext uri="{FF2B5EF4-FFF2-40B4-BE49-F238E27FC236}">
+                <a16:creationId xmlns:a16="http://schemas.microsoft.com/office/drawing/2014/main" id="{D77F559F-7447-7213-6C87-74516EF88FFC}"/>
               </a:ext>
             </a:extLst>
           </p:cNvPr>
@@ -3648,54 +3728,7 @@
         </p:nvSpPr>
         <p:spPr>
           <a:xfrm>
-            <a:off x="219075" y="4910024"/>
-            <a:ext cx="3733800" cy="1477328"/>
-          </a:xfrm>
-          <a:prstGeom prst="rect">
-            <a:avLst/>
-          </a:prstGeom>
-          <a:noFill/>
-        </p:spPr>
-        <p:txBody>
-          <a:bodyPr wrap="square" rtlCol="0">
-            <a:spAutoFit/>
-          </a:bodyPr>
-          <a:lstStyle/>
-          <a:p>
-            <a:r>
-              <a:rPr lang="de-DE" b="1" dirty="0"/>
-              <a:t>3. Abo - Modell:</a:t>
-            </a:r>
-          </a:p>
-          <a:p>
-            <a:endParaRPr lang="de-DE" dirty="0"/>
-          </a:p>
-          <a:p>
-            <a:r>
-              <a:rPr lang="de-DE" dirty="0"/>
-              <a:t>Unternehmen kaufen sich monatlich in unseren Service ein.</a:t>
-            </a:r>
-          </a:p>
-          <a:p>
-            <a:endParaRPr lang="de-DE" dirty="0"/>
-          </a:p>
-        </p:txBody>
-      </p:sp>
-      <p:sp>
-        <p:nvSpPr>
-          <p:cNvPr id="11" name="Textfeld 10">
-            <a:extLst>
-              <a:ext uri="{FF2B5EF4-FFF2-40B4-BE49-F238E27FC236}">
-                <a16:creationId xmlns:a16="http://schemas.microsoft.com/office/drawing/2014/main" id="{D77F559F-7447-7213-6C87-74516EF88FFC}"/>
-              </a:ext>
-            </a:extLst>
-          </p:cNvPr>
-          <p:cNvSpPr txBox="1"/>
-          <p:nvPr/>
-        </p:nvSpPr>
-        <p:spPr>
-          <a:xfrm>
-            <a:off x="171450" y="2848243"/>
+            <a:off x="219075" y="4771525"/>
             <a:ext cx="3733800" cy="1754326"/>
           </a:xfrm>
           <a:prstGeom prst="rect">
@@ -3711,7 +3744,7 @@
           <a:p>
             <a:r>
               <a:rPr lang="de-DE" b="1" dirty="0"/>
-              <a:t>2. Pro verbrannten kcal abrechnen:</a:t>
+              <a:t>(3. Pro verbrannten kcal abrechnen:</a:t>
             </a:r>
           </a:p>
           <a:p>
@@ -3720,7 +3753,11 @@
           <a:p>
             <a:r>
               <a:rPr lang="de-DE" dirty="0"/>
-              <a:t>Wir berechnen den Unternehmen eine feste Pauschale pro kcal, der von den Mitarbeiter in unserer App verbannt wird</a:t>
+              <a:t>Wir berechnen den Unternehmen eine feste Pauschale pro kcal, der von den Mitarbeiter in unserer App verbannt wird.</a:t>
+            </a:r>
+            <a:r>
+              <a:rPr lang="de-DE" b="1" dirty="0"/>
+              <a:t>)</a:t>
             </a:r>
           </a:p>
         </p:txBody>

--- a/data/business model ideas.pptx
+++ b/data/business model ideas.pptx
@@ -259,7 +259,7 @@
           <a:p>
             <a:fld id="{70319636-51F0-4C2A-B9A5-E66AC6715D97}" type="datetimeFigureOut">
               <a:rPr lang="de-DE" smtClean="0"/>
-              <a:t>29.10.2022</a:t>
+              <a:t>30.10.2022</a:t>
             </a:fld>
             <a:endParaRPr lang="de-DE"/>
           </a:p>
@@ -457,7 +457,7 @@
           <a:p>
             <a:fld id="{70319636-51F0-4C2A-B9A5-E66AC6715D97}" type="datetimeFigureOut">
               <a:rPr lang="de-DE" smtClean="0"/>
-              <a:t>29.10.2022</a:t>
+              <a:t>30.10.2022</a:t>
             </a:fld>
             <a:endParaRPr lang="de-DE"/>
           </a:p>
@@ -665,7 +665,7 @@
           <a:p>
             <a:fld id="{70319636-51F0-4C2A-B9A5-E66AC6715D97}" type="datetimeFigureOut">
               <a:rPr lang="de-DE" smtClean="0"/>
-              <a:t>29.10.2022</a:t>
+              <a:t>30.10.2022</a:t>
             </a:fld>
             <a:endParaRPr lang="de-DE"/>
           </a:p>
@@ -863,7 +863,7 @@
           <a:p>
             <a:fld id="{70319636-51F0-4C2A-B9A5-E66AC6715D97}" type="datetimeFigureOut">
               <a:rPr lang="de-DE" smtClean="0"/>
-              <a:t>29.10.2022</a:t>
+              <a:t>30.10.2022</a:t>
             </a:fld>
             <a:endParaRPr lang="de-DE"/>
           </a:p>
@@ -1138,7 +1138,7 @@
           <a:p>
             <a:fld id="{70319636-51F0-4C2A-B9A5-E66AC6715D97}" type="datetimeFigureOut">
               <a:rPr lang="de-DE" smtClean="0"/>
-              <a:t>29.10.2022</a:t>
+              <a:t>30.10.2022</a:t>
             </a:fld>
             <a:endParaRPr lang="de-DE"/>
           </a:p>
@@ -1403,7 +1403,7 @@
           <a:p>
             <a:fld id="{70319636-51F0-4C2A-B9A5-E66AC6715D97}" type="datetimeFigureOut">
               <a:rPr lang="de-DE" smtClean="0"/>
-              <a:t>29.10.2022</a:t>
+              <a:t>30.10.2022</a:t>
             </a:fld>
             <a:endParaRPr lang="de-DE"/>
           </a:p>
@@ -1815,7 +1815,7 @@
           <a:p>
             <a:fld id="{70319636-51F0-4C2A-B9A5-E66AC6715D97}" type="datetimeFigureOut">
               <a:rPr lang="de-DE" smtClean="0"/>
-              <a:t>29.10.2022</a:t>
+              <a:t>30.10.2022</a:t>
             </a:fld>
             <a:endParaRPr lang="de-DE"/>
           </a:p>
@@ -1956,7 +1956,7 @@
           <a:p>
             <a:fld id="{70319636-51F0-4C2A-B9A5-E66AC6715D97}" type="datetimeFigureOut">
               <a:rPr lang="de-DE" smtClean="0"/>
-              <a:t>29.10.2022</a:t>
+              <a:t>30.10.2022</a:t>
             </a:fld>
             <a:endParaRPr lang="de-DE"/>
           </a:p>
@@ -2069,7 +2069,7 @@
           <a:p>
             <a:fld id="{70319636-51F0-4C2A-B9A5-E66AC6715D97}" type="datetimeFigureOut">
               <a:rPr lang="de-DE" smtClean="0"/>
-              <a:t>29.10.2022</a:t>
+              <a:t>30.10.2022</a:t>
             </a:fld>
             <a:endParaRPr lang="de-DE"/>
           </a:p>
@@ -2380,7 +2380,7 @@
           <a:p>
             <a:fld id="{70319636-51F0-4C2A-B9A5-E66AC6715D97}" type="datetimeFigureOut">
               <a:rPr lang="de-DE" smtClean="0"/>
-              <a:t>29.10.2022</a:t>
+              <a:t>30.10.2022</a:t>
             </a:fld>
             <a:endParaRPr lang="de-DE"/>
           </a:p>
@@ -2668,7 +2668,7 @@
           <a:p>
             <a:fld id="{70319636-51F0-4C2A-B9A5-E66AC6715D97}" type="datetimeFigureOut">
               <a:rPr lang="de-DE" smtClean="0"/>
-              <a:t>29.10.2022</a:t>
+              <a:t>30.10.2022</a:t>
             </a:fld>
             <a:endParaRPr lang="de-DE"/>
           </a:p>
@@ -2909,7 +2909,7 @@
           <a:p>
             <a:fld id="{70319636-51F0-4C2A-B9A5-E66AC6715D97}" type="datetimeFigureOut">
               <a:rPr lang="de-DE" smtClean="0"/>
-              <a:t>29.10.2022</a:t>
+              <a:t>30.10.2022</a:t>
             </a:fld>
             <a:endParaRPr lang="de-DE"/>
           </a:p>
@@ -3630,7 +3630,7 @@
         <p:spPr>
           <a:xfrm>
             <a:off x="5802988" y="329333"/>
-            <a:ext cx="4829175" cy="3416320"/>
+            <a:ext cx="4829175" cy="3693319"/>
           </a:xfrm>
           <a:prstGeom prst="rect">
             <a:avLst/>
@@ -3709,7 +3709,7 @@
                   <a:srgbClr val="FF0000"/>
                 </a:solidFill>
               </a:rPr>
-              <a:t>Wie misst man das?</a:t>
+              <a:t>Vergleichen Monat 1 mit Monat 2, d.h. in Monat 1 Verlust.</a:t>
             </a:r>
           </a:p>
         </p:txBody>
